--- a/Lesson 01 - Dev Environment/Setting Up a Dev Environment.pptx
+++ b/Lesson 01 - Dev Environment/Setting Up a Dev Environment.pptx
@@ -268,7 +268,7 @@
           <a:p>
             <a:fld id="{ABC7F386-1E08-4365-A2B7-A2BB11BE67B8}" type="datetimeFigureOut">
               <a:rPr lang="en-US" smtClean="0"/>
-              <a:t>9/2/2019</a:t>
+              <a:t>9/11/2019</a:t>
             </a:fld>
             <a:endParaRPr lang="en-US"/>
           </a:p>
@@ -466,7 +466,7 @@
           <a:p>
             <a:fld id="{ABC7F386-1E08-4365-A2B7-A2BB11BE67B8}" type="datetimeFigureOut">
               <a:rPr lang="en-US" smtClean="0"/>
-              <a:t>9/2/2019</a:t>
+              <a:t>9/11/2019</a:t>
             </a:fld>
             <a:endParaRPr lang="en-US"/>
           </a:p>
@@ -674,7 +674,7 @@
           <a:p>
             <a:fld id="{ABC7F386-1E08-4365-A2B7-A2BB11BE67B8}" type="datetimeFigureOut">
               <a:rPr lang="en-US" smtClean="0"/>
-              <a:t>9/2/2019</a:t>
+              <a:t>9/11/2019</a:t>
             </a:fld>
             <a:endParaRPr lang="en-US"/>
           </a:p>
@@ -872,7 +872,7 @@
           <a:p>
             <a:fld id="{ABC7F386-1E08-4365-A2B7-A2BB11BE67B8}" type="datetimeFigureOut">
               <a:rPr lang="en-US" smtClean="0"/>
-              <a:t>9/2/2019</a:t>
+              <a:t>9/11/2019</a:t>
             </a:fld>
             <a:endParaRPr lang="en-US"/>
           </a:p>
@@ -1147,7 +1147,7 @@
           <a:p>
             <a:fld id="{ABC7F386-1E08-4365-A2B7-A2BB11BE67B8}" type="datetimeFigureOut">
               <a:rPr lang="en-US" smtClean="0"/>
-              <a:t>9/2/2019</a:t>
+              <a:t>9/11/2019</a:t>
             </a:fld>
             <a:endParaRPr lang="en-US"/>
           </a:p>
@@ -1412,7 +1412,7 @@
           <a:p>
             <a:fld id="{ABC7F386-1E08-4365-A2B7-A2BB11BE67B8}" type="datetimeFigureOut">
               <a:rPr lang="en-US" smtClean="0"/>
-              <a:t>9/2/2019</a:t>
+              <a:t>9/11/2019</a:t>
             </a:fld>
             <a:endParaRPr lang="en-US"/>
           </a:p>
@@ -1824,7 +1824,7 @@
           <a:p>
             <a:fld id="{ABC7F386-1E08-4365-A2B7-A2BB11BE67B8}" type="datetimeFigureOut">
               <a:rPr lang="en-US" smtClean="0"/>
-              <a:t>9/2/2019</a:t>
+              <a:t>9/11/2019</a:t>
             </a:fld>
             <a:endParaRPr lang="en-US"/>
           </a:p>
@@ -1965,7 +1965,7 @@
           <a:p>
             <a:fld id="{ABC7F386-1E08-4365-A2B7-A2BB11BE67B8}" type="datetimeFigureOut">
               <a:rPr lang="en-US" smtClean="0"/>
-              <a:t>9/2/2019</a:t>
+              <a:t>9/11/2019</a:t>
             </a:fld>
             <a:endParaRPr lang="en-US"/>
           </a:p>
@@ -2078,7 +2078,7 @@
           <a:p>
             <a:fld id="{ABC7F386-1E08-4365-A2B7-A2BB11BE67B8}" type="datetimeFigureOut">
               <a:rPr lang="en-US" smtClean="0"/>
-              <a:t>9/2/2019</a:t>
+              <a:t>9/11/2019</a:t>
             </a:fld>
             <a:endParaRPr lang="en-US"/>
           </a:p>
@@ -2389,7 +2389,7 @@
           <a:p>
             <a:fld id="{ABC7F386-1E08-4365-A2B7-A2BB11BE67B8}" type="datetimeFigureOut">
               <a:rPr lang="en-US" smtClean="0"/>
-              <a:t>9/2/2019</a:t>
+              <a:t>9/11/2019</a:t>
             </a:fld>
             <a:endParaRPr lang="en-US"/>
           </a:p>
@@ -2677,7 +2677,7 @@
           <a:p>
             <a:fld id="{ABC7F386-1E08-4365-A2B7-A2BB11BE67B8}" type="datetimeFigureOut">
               <a:rPr lang="en-US" smtClean="0"/>
-              <a:t>9/2/2019</a:t>
+              <a:t>9/11/2019</a:t>
             </a:fld>
             <a:endParaRPr lang="en-US"/>
           </a:p>
@@ -2918,7 +2918,7 @@
           <a:p>
             <a:fld id="{ABC7F386-1E08-4365-A2B7-A2BB11BE67B8}" type="datetimeFigureOut">
               <a:rPr lang="en-US" smtClean="0"/>
-              <a:t>9/2/2019</a:t>
+              <a:t>9/11/2019</a:t>
             </a:fld>
             <a:endParaRPr lang="en-US"/>
           </a:p>
@@ -3324,7 +3324,7 @@
     <p:bg>
       <p:bgPr>
         <a:solidFill>
-          <a:srgbClr val="FFFFFF"/>
+          <a:schemeClr val="bg1"/>
         </a:solidFill>
         <a:effectLst/>
       </p:bgPr>
@@ -3343,47 +3343,12 @@
           <a:chExt cx="0" cy="0"/>
         </a:xfrm>
       </p:grpSpPr>
-      <p:pic>
-        <p:nvPicPr>
-          <p:cNvPr id="4" name="Picture 3">
-            <a:extLst>
-              <a:ext uri="{FF2B5EF4-FFF2-40B4-BE49-F238E27FC236}">
-                <a16:creationId xmlns:a16="http://schemas.microsoft.com/office/drawing/2014/main" id="{B571C0CF-B546-4791-8A98-0B9467E51731}"/>
-              </a:ext>
-            </a:extLst>
-          </p:cNvPr>
-          <p:cNvPicPr>
-            <a:picLocks noChangeAspect="1"/>
-          </p:cNvPicPr>
-          <p:nvPr/>
-        </p:nvPicPr>
-        <p:blipFill rotWithShape="1">
-          <a:blip r:embed="rId2">
-            <a:extLst>
-              <a:ext uri="{28A0092B-C50C-407E-A947-70E740481C1C}">
-                <a14:useLocalDpi xmlns:a14="http://schemas.microsoft.com/office/drawing/2010/main" val="0"/>
-              </a:ext>
-            </a:extLst>
-          </a:blip>
-          <a:srcRect r="8039" b="16361"/>
-          <a:stretch/>
-        </p:blipFill>
-        <p:spPr>
-          <a:xfrm>
-            <a:off x="2394357" y="509617"/>
-            <a:ext cx="7403287" cy="3468023"/>
-          </a:xfrm>
-          <a:prstGeom prst="rect">
-            <a:avLst/>
-          </a:prstGeom>
-        </p:spPr>
-      </p:pic>
-      <p:sp>
-        <p:nvSpPr>
-          <p:cNvPr id="9" name="Rectangle 8">
-            <a:extLst>
-              <a:ext uri="{FF2B5EF4-FFF2-40B4-BE49-F238E27FC236}">
-                <a16:creationId xmlns:a16="http://schemas.microsoft.com/office/drawing/2014/main" id="{72257994-BD97-4691-8B89-198A6D2BABDC}"/>
+      <p:sp>
+        <p:nvSpPr>
+          <p:cNvPr id="35" name="Rectangle 34">
+            <a:extLst>
+              <a:ext uri="{FF2B5EF4-FFF2-40B4-BE49-F238E27FC236}">
+                <a16:creationId xmlns:a16="http://schemas.microsoft.com/office/drawing/2014/main" id="{23962611-DFD5-4092-AAFD-559E3DFCE2C9}"/>
               </a:ext>
               <a:ext uri="{C183D7F6-B498-43B3-948B-1728B52AA6E4}">
                 <adec:decorative xmlns:adec="http://schemas.microsoft.com/office/drawing/2017/decorative" val="1"/>
@@ -3403,15 +3368,37 @@
         </p:nvSpPr>
         <p:spPr>
           <a:xfrm>
-            <a:off x="0" y="4918509"/>
-            <a:ext cx="12192000" cy="1939491"/>
+            <a:off x="475488" y="0"/>
+            <a:ext cx="10910292" cy="6858000"/>
           </a:xfrm>
           <a:prstGeom prst="rect">
             <a:avLst/>
           </a:prstGeom>
-          <a:solidFill>
-            <a:srgbClr val="404040"/>
-          </a:solidFill>
+          <a:gradFill>
+            <a:gsLst>
+              <a:gs pos="0">
+                <a:schemeClr val="accent1">
+                  <a:lumMod val="90000"/>
+                </a:schemeClr>
+              </a:gs>
+              <a:gs pos="25000">
+                <a:schemeClr val="accent1">
+                  <a:lumMod val="90000"/>
+                </a:schemeClr>
+              </a:gs>
+              <a:gs pos="94000">
+                <a:schemeClr val="bg2">
+                  <a:lumMod val="25000"/>
+                </a:schemeClr>
+              </a:gs>
+              <a:gs pos="100000">
+                <a:schemeClr val="bg2">
+                  <a:lumMod val="25000"/>
+                </a:schemeClr>
+              </a:gs>
+            </a:gsLst>
+            <a:lin ang="4200000" scaled="0"/>
+          </a:gradFill>
           <a:ln>
             <a:noFill/>
           </a:ln>
@@ -3441,47 +3428,83 @@
           </a:p>
         </p:txBody>
       </p:sp>
-      <p:sp>
-        <p:nvSpPr>
-          <p:cNvPr id="2" name="Title 1">
-            <a:extLst>
-              <a:ext uri="{FF2B5EF4-FFF2-40B4-BE49-F238E27FC236}">
-                <a16:creationId xmlns:a16="http://schemas.microsoft.com/office/drawing/2014/main" id="{2D7206F0-E719-43B4-B29E-C9DB9658AA63}"/>
-              </a:ext>
-            </a:extLst>
-          </p:cNvPr>
-          <p:cNvSpPr>
-            <a:spLocks noGrp="1"/>
-          </p:cNvSpPr>
-          <p:nvPr>
-            <p:ph type="ctrTitle"/>
-          </p:nvPr>
-        </p:nvSpPr>
+      <p:pic>
+        <p:nvPicPr>
+          <p:cNvPr id="37" name="Picture 36">
+            <a:extLst>
+              <a:ext uri="{FF2B5EF4-FFF2-40B4-BE49-F238E27FC236}">
+                <a16:creationId xmlns:a16="http://schemas.microsoft.com/office/drawing/2014/main" id="{2270F1FA-0425-408F-9861-80BF5AFB276D}"/>
+              </a:ext>
+              <a:ext uri="{C183D7F6-B498-43B3-948B-1728B52AA6E4}">
+                <adec:decorative xmlns:adec="http://schemas.microsoft.com/office/drawing/2017/decorative" val="1"/>
+              </a:ext>
+            </a:extLst>
+          </p:cNvPr>
+          <p:cNvPicPr>
+            <a:picLocks noGrp="1" noRot="1" noChangeAspect="1" noMove="1" noResize="1" noEditPoints="1" noAdjustHandles="1" noChangeArrowheads="1" noChangeShapeType="1" noCrop="1"/>
+          </p:cNvPicPr>
+          <p:nvPr>
+            <p:extLst>
+              <p:ext uri="{386F3935-93C4-4BCD-93E2-E3B085C9AB24}">
+                <p16:designElem xmlns:p16="http://schemas.microsoft.com/office/powerpoint/2015/main" val="1"/>
+              </p:ext>
+            </p:extLst>
+          </p:nvPr>
+        </p:nvPicPr>
+        <p:blipFill>
+          <a:blip r:embed="rId2">
+            <a:extLst>
+              <a:ext uri="{28A0092B-C50C-407E-A947-70E740481C1C}">
+                <a14:useLocalDpi xmlns:a14="http://schemas.microsoft.com/office/drawing/2010/main" val="0"/>
+              </a:ext>
+            </a:extLst>
+          </a:blip>
+          <a:stretch>
+            <a:fillRect/>
+          </a:stretch>
+        </p:blipFill>
         <p:spPr>
           <a:xfrm>
-            <a:off x="1600200" y="4269282"/>
-            <a:ext cx="8991600" cy="1264762"/>
+            <a:off x="0" y="0"/>
+            <a:ext cx="12192000" cy="6858000"/>
           </a:xfrm>
-          <a:solidFill>
-            <a:srgbClr val="FFFFFF"/>
-          </a:solidFill>
-          <a:ln w="38100">
-            <a:solidFill>
-              <a:srgbClr val="404040"/>
-            </a:solidFill>
-            <a:miter lim="800000"/>
-          </a:ln>
+          <a:prstGeom prst="rect">
+            <a:avLst/>
+          </a:prstGeom>
         </p:spPr>
-        <p:txBody>
-          <a:bodyPr anchor="ctr">
+      </p:pic>
+      <p:sp>
+        <p:nvSpPr>
+          <p:cNvPr id="2" name="Title 1">
+            <a:extLst>
+              <a:ext uri="{FF2B5EF4-FFF2-40B4-BE49-F238E27FC236}">
+                <a16:creationId xmlns:a16="http://schemas.microsoft.com/office/drawing/2014/main" id="{2D7206F0-E719-43B4-B29E-C9DB9658AA63}"/>
+              </a:ext>
+            </a:extLst>
+          </p:cNvPr>
+          <p:cNvSpPr>
+            <a:spLocks noGrp="1"/>
+          </p:cNvSpPr>
+          <p:nvPr>
+            <p:ph type="ctrTitle"/>
+          </p:nvPr>
+        </p:nvSpPr>
+        <p:spPr>
+          <a:xfrm>
+            <a:off x="3045368" y="2043663"/>
+            <a:ext cx="6105194" cy="2031055"/>
+          </a:xfrm>
+        </p:spPr>
+        <p:txBody>
+          <a:bodyPr>
             <a:normAutofit/>
           </a:bodyPr>
           <a:lstStyle/>
           <a:p>
             <a:r>
-              <a:rPr lang="en-US" sz="4000">
+              <a:rPr lang="en-US">
                 <a:solidFill>
-                  <a:srgbClr val="404040"/>
+                  <a:srgbClr val="FFFFFF"/>
                 </a:solidFill>
               </a:rPr>
               <a:t>Learning Basic C#</a:t>
@@ -3507,8 +3530,8 @@
         </p:nvSpPr>
         <p:spPr>
           <a:xfrm>
-            <a:off x="2695194" y="5688535"/>
-            <a:ext cx="6801612" cy="536125"/>
+            <a:off x="3045368" y="4074718"/>
+            <a:ext cx="6105194" cy="682079"/>
           </a:xfrm>
         </p:spPr>
         <p:txBody>
@@ -3518,7 +3541,7 @@
           <a:lstStyle/>
           <a:p>
             <a:r>
-              <a:rPr lang="en-US" sz="1800">
+              <a:rPr lang="en-US">
                 <a:solidFill>
                   <a:srgbClr val="FFFFFF"/>
                 </a:solidFill>
